--- a/Presentacion/Thesis Presentation Gaspar Alfaro.pptx
+++ b/Presentacion/Thesis Presentation Gaspar Alfaro.pptx
@@ -5,9 +5,8 @@
     <p:sldMasterId id="2147483721" r:id="rId1"/>
   </p:sldMasterIdLst>
   <p:sldIdLst>
-    <p:sldId id="256" r:id="rId2"/>
-    <p:sldId id="257" r:id="rId3"/>
-    <p:sldId id="258" r:id="rId4"/>
+    <p:sldId id="257" r:id="rId2"/>
+    <p:sldId id="258" r:id="rId3"/>
   </p:sldIdLst>
   <p:sldSz cx="12192000" cy="6858000"/>
   <p:notesSz cx="6858000" cy="9144000"/>
@@ -106,6 +105,11 @@
       </a:defRPr>
     </a:lvl9pPr>
   </p:defaultTextStyle>
+  <p:extLst>
+    <p:ext uri="{EFAFB233-063F-42B5-8137-9DF3F51BA10A}">
+      <p15:sldGuideLst xmlns:p15="http://schemas.microsoft.com/office/powerpoint/2012/main"/>
+    </p:ext>
+  </p:extLst>
 </p:presentation>
 </file>
 
@@ -262,7 +266,7 @@
           <a:p>
             <a:fld id="{C128FA71-3A18-48C0-980F-4B68F7F63042}" type="datetime1">
               <a:rPr lang="en-US" smtClean="0"/>
-              <a:t>1/29/2025</a:t>
+              <a:t>1/31/2025</a:t>
             </a:fld>
             <a:endParaRPr lang="en-US"/>
           </a:p>
@@ -470,7 +474,7 @@
           <a:p>
             <a:fld id="{7104EDB3-C0E8-45F8-9E1D-1B6C8D1880C0}" type="datetime1">
               <a:rPr lang="en-US" smtClean="0"/>
-              <a:t>1/29/2025</a:t>
+              <a:t>1/31/2025</a:t>
             </a:fld>
             <a:endParaRPr lang="en-US"/>
           </a:p>
@@ -680,7 +684,7 @@
           <a:p>
             <a:fld id="{9CF0EC4B-54ED-4041-B552-9BA760FA3DBA}" type="datetime1">
               <a:rPr lang="en-US" smtClean="0"/>
-              <a:t>1/29/2025</a:t>
+              <a:t>1/31/2025</a:t>
             </a:fld>
             <a:endParaRPr lang="en-US"/>
           </a:p>
@@ -878,7 +882,7 @@
           <a:p>
             <a:fld id="{51C1210E-201E-4473-82AC-2466F5386C38}" type="datetime1">
               <a:rPr lang="en-US" smtClean="0"/>
-              <a:t>1/29/2025</a:t>
+              <a:t>1/31/2025</a:t>
             </a:fld>
             <a:endParaRPr lang="en-US"/>
           </a:p>
@@ -1156,7 +1160,7 @@
           <a:p>
             <a:fld id="{B01EA198-6CAB-4B8F-B93F-1F9C8C4B6CE7}" type="datetime1">
               <a:rPr lang="en-US" smtClean="0"/>
-              <a:t>1/29/2025</a:t>
+              <a:t>1/31/2025</a:t>
             </a:fld>
             <a:endParaRPr lang="en-US"/>
           </a:p>
@@ -1428,7 +1432,7 @@
           <a:p>
             <a:fld id="{CA06041F-4525-44D5-AA4F-332294BF1F56}" type="datetime1">
               <a:rPr lang="en-US" smtClean="0"/>
-              <a:t>1/29/2025</a:t>
+              <a:t>1/31/2025</a:t>
             </a:fld>
             <a:endParaRPr lang="en-US"/>
           </a:p>
@@ -1852,7 +1856,7 @@
           <a:p>
             <a:fld id="{F9557091-BBDF-4EB9-BA6B-2BB67AC4FC0F}" type="datetime1">
               <a:rPr lang="en-US" smtClean="0"/>
-              <a:t>1/29/2025</a:t>
+              <a:t>1/31/2025</a:t>
             </a:fld>
             <a:endParaRPr lang="en-US"/>
           </a:p>
@@ -1993,7 +1997,7 @@
           <a:p>
             <a:fld id="{2D6B226B-77A6-410C-9796-083F278E0125}" type="datetime1">
               <a:rPr lang="en-US" smtClean="0"/>
-              <a:t>1/29/2025</a:t>
+              <a:t>1/31/2025</a:t>
             </a:fld>
             <a:endParaRPr lang="en-US"/>
           </a:p>
@@ -2106,7 +2110,7 @@
           <a:p>
             <a:fld id="{A23A578B-D289-4C40-8593-3D356C49DA58}" type="datetime1">
               <a:rPr lang="en-US" smtClean="0"/>
-              <a:t>1/29/2025</a:t>
+              <a:t>1/31/2025</a:t>
             </a:fld>
             <a:endParaRPr lang="en-US"/>
           </a:p>
@@ -2425,7 +2429,7 @@
           <a:p>
             <a:fld id="{713DFAE3-14DB-48A7-A80F-80DDB072CE3D}" type="datetime1">
               <a:rPr lang="en-US" smtClean="0"/>
-              <a:t>1/29/2025</a:t>
+              <a:t>1/31/2025</a:t>
             </a:fld>
             <a:endParaRPr lang="en-US"/>
           </a:p>
@@ -2719,7 +2723,7 @@
           <a:p>
             <a:fld id="{92C5EAEF-6478-4102-8F5D-A5FE9FC97ACB}" type="datetime1">
               <a:rPr lang="en-US" smtClean="0"/>
-              <a:t>1/29/2025</a:t>
+              <a:t>1/31/2025</a:t>
             </a:fld>
             <a:endParaRPr lang="en-US"/>
           </a:p>
@@ -2960,7 +2964,7 @@
           <a:p>
             <a:fld id="{67F45AC6-C491-4585-A584-9CE2AF7D5500}" type="datetime1">
               <a:rPr lang="en-US" smtClean="0"/>
-              <a:t>1/29/2025</a:t>
+              <a:t>1/31/2025</a:t>
             </a:fld>
             <a:endParaRPr lang="en-US"/>
           </a:p>
@@ -3360,14 +3364,6 @@
 <file path=ppt/slides/slide1.xml><?xml version="1.0" encoding="utf-8"?>
 <p:sld xmlns:a="http://schemas.openxmlformats.org/drawingml/2006/main" xmlns:r="http://schemas.openxmlformats.org/officeDocument/2006/relationships" xmlns:p="http://schemas.openxmlformats.org/presentationml/2006/main">
   <p:cSld>
-    <p:bg>
-      <p:bgPr>
-        <a:solidFill>
-          <a:schemeClr val="bg1"/>
-        </a:solidFill>
-        <a:effectLst/>
-      </p:bgPr>
-    </p:bg>
     <p:spTree>
       <p:nvGrpSpPr>
         <p:cNvPr id="1" name=""/>
@@ -3382,91 +3378,12 @@
           <a:chExt cx="0" cy="0"/>
         </a:xfrm>
       </p:grpSpPr>
-      <p:sp>
-        <p:nvSpPr>
-          <p:cNvPr id="20" name="Rectangle 19">
-            <a:extLst>
-              <a:ext uri="{FF2B5EF4-FFF2-40B4-BE49-F238E27FC236}">
-                <a16:creationId xmlns:a16="http://schemas.microsoft.com/office/drawing/2014/main" id="{35D3817B-01DA-DCDA-FA18-49D6FF003762}"/>
-              </a:ext>
-              <a:ext uri="{C183D7F6-B498-43B3-948B-1728B52AA6E4}">
-                <adec:decorative xmlns:adec="http://schemas.microsoft.com/office/drawing/2017/decorative" val="1"/>
-              </a:ext>
-            </a:extLst>
-          </p:cNvPr>
-          <p:cNvSpPr>
-            <a:spLocks noGrp="1" noRot="1" noChangeAspect="1" noMove="1" noResize="1" noEditPoints="1" noAdjustHandles="1" noChangeArrowheads="1" noChangeShapeType="1" noTextEdit="1"/>
-          </p:cNvSpPr>
-          <p:nvPr>
-            <p:extLst>
-              <p:ext uri="{386F3935-93C4-4BCD-93E2-E3B085C9AB24}">
-                <p16:designElem xmlns:p16="http://schemas.microsoft.com/office/powerpoint/2015/main" val="1"/>
-              </p:ext>
-            </p:extLst>
-          </p:nvPr>
-        </p:nvSpPr>
-        <p:spPr>
-          <a:xfrm>
-            <a:off x="0" y="0"/>
-            <a:ext cx="12192000" cy="6858000"/>
-          </a:xfrm>
-          <a:prstGeom prst="rect">
-            <a:avLst/>
-          </a:prstGeom>
-          <a:solidFill>
-            <a:schemeClr val="bg1"/>
-          </a:solidFill>
-          <a:ln w="12700" cap="flat" cmpd="sng" algn="ctr">
-            <a:noFill/>
-            <a:prstDash val="solid"/>
-            <a:miter lim="800000"/>
-          </a:ln>
-          <a:effectLst/>
-          <a:extLst>
-            <a:ext uri="{91240B29-F687-4F45-9708-019B960494DF}">
-              <a14:hiddenLine xmlns:a14="http://schemas.microsoft.com/office/drawing/2010/main" w="12700" cap="flat" cmpd="sng" algn="ctr">
-                <a:solidFill>
-                  <a:schemeClr val="accent1">
-                    <a:shade val="15000"/>
-                  </a:schemeClr>
-                </a:solidFill>
-                <a:prstDash val="solid"/>
-                <a:miter lim="800000"/>
-              </a14:hiddenLine>
-            </a:ext>
-          </a:extLst>
-        </p:spPr>
-        <p:style>
-          <a:lnRef idx="2">
-            <a:schemeClr val="accent1">
-              <a:shade val="15000"/>
-            </a:schemeClr>
-          </a:lnRef>
-          <a:fillRef idx="1">
-            <a:schemeClr val="accent1"/>
-          </a:fillRef>
-          <a:effectRef idx="0">
-            <a:schemeClr val="accent1"/>
-          </a:effectRef>
-          <a:fontRef idx="minor">
-            <a:schemeClr val="lt1"/>
-          </a:fontRef>
-        </p:style>
-        <p:txBody>
-          <a:bodyPr rtlCol="0" anchor="ctr"/>
-          <a:lstStyle/>
-          <a:p>
-            <a:pPr algn="ctr"/>
-            <a:endParaRPr lang="en-US"/>
-          </a:p>
-        </p:txBody>
-      </p:sp>
       <p:pic>
         <p:nvPicPr>
           <p:cNvPr id="4" name="Picture 1" descr="Patrón geométrico rojo abstracto">
             <a:extLst>
               <a:ext uri="{FF2B5EF4-FFF2-40B4-BE49-F238E27FC236}">
-                <a16:creationId xmlns:a16="http://schemas.microsoft.com/office/drawing/2014/main" id="{1EA0CA3C-7B65-88D4-79B4-284BF4D16122}"/>
+                <a16:creationId xmlns:a16="http://schemas.microsoft.com/office/drawing/2014/main" id="{A94949DA-FC62-8FD6-8C43-521853D3BB23}"/>
               </a:ext>
             </a:extLst>
           </p:cNvPr>
@@ -3490,10 +3407,302 @@
           </a:prstGeom>
         </p:spPr>
       </p:pic>
+      <p:sp>
+        <p:nvSpPr>
+          <p:cNvPr id="5" name="CuadroTexto 4">
+            <a:extLst>
+              <a:ext uri="{FF2B5EF4-FFF2-40B4-BE49-F238E27FC236}">
+                <a16:creationId xmlns:a16="http://schemas.microsoft.com/office/drawing/2014/main" id="{B3748729-50C7-8599-6D3C-E12C17D6E64E}"/>
+              </a:ext>
+            </a:extLst>
+          </p:cNvPr>
+          <p:cNvSpPr txBox="1"/>
+          <p:nvPr/>
+        </p:nvSpPr>
+        <p:spPr>
+          <a:xfrm>
+            <a:off x="6681216" y="1271016"/>
+            <a:ext cx="6095980" cy="2800767"/>
+          </a:xfrm>
+          <a:prstGeom prst="rect">
+            <a:avLst/>
+          </a:prstGeom>
+          <a:noFill/>
+        </p:spPr>
+        <p:txBody>
+          <a:bodyPr wrap="square" rtlCol="0">
+            <a:spAutoFit/>
+          </a:bodyPr>
+          <a:lstStyle/>
+          <a:p>
+            <a:r>
+              <a:rPr lang="es-ES" sz="4400" dirty="0" err="1">
+                <a:solidFill>
+                  <a:srgbClr val="000000"/>
+                </a:solidFill>
+                <a:effectLst/>
+                <a:latin typeface="Adobe Devanagari" panose="02040503050201020203" pitchFamily="18" charset="0"/>
+                <a:ea typeface="ADLaM Display" panose="020F0502020204030204" pitchFamily="2" charset="0"/>
+                <a:cs typeface="Adobe Devanagari" panose="02040503050201020203" pitchFamily="18" charset="0"/>
+              </a:rPr>
+              <a:t>Further</a:t>
+            </a:r>
+            <a:r>
+              <a:rPr lang="es-ES" sz="4400" dirty="0">
+                <a:solidFill>
+                  <a:srgbClr val="000000"/>
+                </a:solidFill>
+                <a:effectLst/>
+                <a:latin typeface="Adobe Devanagari" panose="02040503050201020203" pitchFamily="18" charset="0"/>
+                <a:ea typeface="ADLaM Display" panose="020F0502020204030204" pitchFamily="2" charset="0"/>
+                <a:cs typeface="Adobe Devanagari" panose="02040503050201020203" pitchFamily="18" charset="0"/>
+              </a:rPr>
+              <a:t> </a:t>
+            </a:r>
+            <a:r>
+              <a:rPr lang="es-ES" sz="4400" dirty="0" err="1">
+                <a:solidFill>
+                  <a:srgbClr val="000000"/>
+                </a:solidFill>
+                <a:effectLst/>
+                <a:latin typeface="Adobe Devanagari" panose="02040503050201020203" pitchFamily="18" charset="0"/>
+                <a:ea typeface="ADLaM Display" panose="020F0502020204030204" pitchFamily="2" charset="0"/>
+                <a:cs typeface="Adobe Devanagari" panose="02040503050201020203" pitchFamily="18" charset="0"/>
+              </a:rPr>
+              <a:t>Advancements</a:t>
+            </a:r>
+            <a:r>
+              <a:rPr lang="es-ES" sz="4400" dirty="0">
+                <a:solidFill>
+                  <a:srgbClr val="000000"/>
+                </a:solidFill>
+                <a:effectLst/>
+                <a:latin typeface="Adobe Devanagari" panose="02040503050201020203" pitchFamily="18" charset="0"/>
+                <a:ea typeface="ADLaM Display" panose="020F0502020204030204" pitchFamily="2" charset="0"/>
+                <a:cs typeface="Adobe Devanagari" panose="02040503050201020203" pitchFamily="18" charset="0"/>
+              </a:rPr>
+              <a:t> </a:t>
+            </a:r>
+          </a:p>
+          <a:p>
+            <a:r>
+              <a:rPr lang="es-ES" sz="4400" dirty="0">
+                <a:solidFill>
+                  <a:srgbClr val="000000"/>
+                </a:solidFill>
+                <a:effectLst/>
+                <a:latin typeface="Adobe Devanagari" panose="02040503050201020203" pitchFamily="18" charset="0"/>
+                <a:ea typeface="ADLaM Display" panose="020F0502020204030204" pitchFamily="2" charset="0"/>
+                <a:cs typeface="Adobe Devanagari" panose="02040503050201020203" pitchFamily="18" charset="0"/>
+              </a:rPr>
+              <a:t>and </a:t>
+            </a:r>
+            <a:r>
+              <a:rPr lang="es-ES" sz="4400" dirty="0" err="1">
+                <a:solidFill>
+                  <a:srgbClr val="000000"/>
+                </a:solidFill>
+                <a:effectLst/>
+                <a:latin typeface="Adobe Devanagari" panose="02040503050201020203" pitchFamily="18" charset="0"/>
+                <a:ea typeface="ADLaM Display" panose="020F0502020204030204" pitchFamily="2" charset="0"/>
+                <a:cs typeface="Adobe Devanagari" panose="02040503050201020203" pitchFamily="18" charset="0"/>
+              </a:rPr>
+              <a:t>Developments</a:t>
+            </a:r>
+            <a:r>
+              <a:rPr lang="es-ES" sz="4400" dirty="0">
+                <a:solidFill>
+                  <a:srgbClr val="000000"/>
+                </a:solidFill>
+                <a:effectLst/>
+                <a:latin typeface="Adobe Devanagari" panose="02040503050201020203" pitchFamily="18" charset="0"/>
+                <a:ea typeface="ADLaM Display" panose="020F0502020204030204" pitchFamily="2" charset="0"/>
+                <a:cs typeface="Adobe Devanagari" panose="02040503050201020203" pitchFamily="18" charset="0"/>
+              </a:rPr>
+              <a:t> </a:t>
+            </a:r>
+          </a:p>
+          <a:p>
+            <a:r>
+              <a:rPr lang="en-US" sz="4400" dirty="0">
+                <a:solidFill>
+                  <a:srgbClr val="000000"/>
+                </a:solidFill>
+                <a:effectLst/>
+                <a:latin typeface="Adobe Devanagari" panose="02040503050201020203" pitchFamily="18" charset="0"/>
+                <a:ea typeface="ADLaM Display" panose="020F0502020204030204" pitchFamily="2" charset="0"/>
+                <a:cs typeface="Adobe Devanagari" panose="02040503050201020203" pitchFamily="18" charset="0"/>
+              </a:rPr>
+              <a:t>in Game Theory, </a:t>
+            </a:r>
+          </a:p>
+          <a:p>
+            <a:r>
+              <a:rPr lang="en-US" sz="4400" dirty="0">
+                <a:solidFill>
+                  <a:srgbClr val="000000"/>
+                </a:solidFill>
+                <a:effectLst/>
+                <a:latin typeface="Adobe Devanagari" panose="02040503050201020203" pitchFamily="18" charset="0"/>
+                <a:ea typeface="ADLaM Display" panose="020F0502020204030204" pitchFamily="2" charset="0"/>
+                <a:cs typeface="Adobe Devanagari" panose="02040503050201020203" pitchFamily="18" charset="0"/>
+              </a:rPr>
+              <a:t>Complexity and Control</a:t>
+            </a:r>
+            <a:endParaRPr lang="es-ES" sz="4400" dirty="0">
+              <a:latin typeface="Adobe Devanagari" panose="02040503050201020203" pitchFamily="18" charset="0"/>
+              <a:ea typeface="ADLaM Display" panose="020F0502020204030204" pitchFamily="2" charset="0"/>
+              <a:cs typeface="Adobe Devanagari" panose="02040503050201020203" pitchFamily="18" charset="0"/>
+            </a:endParaRPr>
+          </a:p>
+        </p:txBody>
+      </p:sp>
+      <p:sp>
+        <p:nvSpPr>
+          <p:cNvPr id="6" name="CuadroTexto 5">
+            <a:extLst>
+              <a:ext uri="{FF2B5EF4-FFF2-40B4-BE49-F238E27FC236}">
+                <a16:creationId xmlns:a16="http://schemas.microsoft.com/office/drawing/2014/main" id="{1115F3DB-6A7A-DADC-D795-8726BC1AC44E}"/>
+              </a:ext>
+            </a:extLst>
+          </p:cNvPr>
+          <p:cNvSpPr txBox="1"/>
+          <p:nvPr/>
+        </p:nvSpPr>
+        <p:spPr>
+          <a:xfrm>
+            <a:off x="6784848" y="4197096"/>
+            <a:ext cx="4727448" cy="923330"/>
+          </a:xfrm>
+          <a:prstGeom prst="rect">
+            <a:avLst/>
+          </a:prstGeom>
+          <a:noFill/>
+        </p:spPr>
+        <p:txBody>
+          <a:bodyPr wrap="square" rtlCol="0">
+            <a:spAutoFit/>
+          </a:bodyPr>
+          <a:lstStyle/>
+          <a:p>
+            <a:r>
+              <a:rPr lang="es-ES" u="sng" dirty="0">
+                <a:latin typeface="Adobe Devanagari" panose="02040503050201020203" pitchFamily="18" charset="0"/>
+                <a:cs typeface="Adobe Devanagari" panose="02040503050201020203" pitchFamily="18" charset="0"/>
+              </a:rPr>
+              <a:t>Tesis doctoral realizada por</a:t>
+            </a:r>
+            <a:r>
+              <a:rPr lang="es-ES" dirty="0">
+                <a:latin typeface="Adobe Devanagari" panose="02040503050201020203" pitchFamily="18" charset="0"/>
+                <a:cs typeface="Adobe Devanagari" panose="02040503050201020203" pitchFamily="18" charset="0"/>
+              </a:rPr>
+              <a:t> Gaspar Alfaro García.</a:t>
+            </a:r>
+          </a:p>
+          <a:p>
+            <a:r>
+              <a:rPr lang="es-ES" u="sng" dirty="0">
+                <a:latin typeface="Adobe Devanagari" panose="02040503050201020203" pitchFamily="18" charset="0"/>
+                <a:cs typeface="Adobe Devanagari" panose="02040503050201020203" pitchFamily="18" charset="0"/>
+              </a:rPr>
+              <a:t>Co-dirigida por</a:t>
+            </a:r>
+            <a:r>
+              <a:rPr lang="es-ES" dirty="0">
+                <a:latin typeface="Adobe Devanagari" panose="02040503050201020203" pitchFamily="18" charset="0"/>
+                <a:cs typeface="Adobe Devanagari" panose="02040503050201020203" pitchFamily="18" charset="0"/>
+              </a:rPr>
+              <a:t> Miguel Ángel Fernández Sanjuán y</a:t>
+            </a:r>
+          </a:p>
+          <a:p>
+            <a:r>
+              <a:rPr lang="es-ES" dirty="0">
+                <a:latin typeface="Adobe Devanagari" panose="02040503050201020203" pitchFamily="18" charset="0"/>
+                <a:cs typeface="Adobe Devanagari" panose="02040503050201020203" pitchFamily="18" charset="0"/>
+              </a:rPr>
+              <a:t>	          Rubén Capeáns Rivas.</a:t>
+            </a:r>
+          </a:p>
+        </p:txBody>
+      </p:sp>
+      <p:pic>
+        <p:nvPicPr>
+          <p:cNvPr id="7" name="Imagen 6" descr="Dibujo en blanco y negro&#10;&#10;Descripción generada automáticamente con confianza media">
+            <a:extLst>
+              <a:ext uri="{FF2B5EF4-FFF2-40B4-BE49-F238E27FC236}">
+                <a16:creationId xmlns:a16="http://schemas.microsoft.com/office/drawing/2014/main" id="{6EBF8777-F184-ED9A-071E-EB2A565EC0FD}"/>
+              </a:ext>
+            </a:extLst>
+          </p:cNvPr>
+          <p:cNvPicPr>
+            <a:picLocks noChangeAspect="1"/>
+          </p:cNvPicPr>
+          <p:nvPr/>
+        </p:nvPicPr>
+        <p:blipFill>
+          <a:blip r:embed="rId3">
+            <a:extLst>
+              <a:ext uri="{28A0092B-C50C-407E-A947-70E740481C1C}">
+                <a14:useLocalDpi xmlns:a14="http://schemas.microsoft.com/office/drawing/2010/main" val="0"/>
+              </a:ext>
+            </a:extLst>
+          </a:blip>
+          <a:stretch>
+            <a:fillRect/>
+          </a:stretch>
+        </p:blipFill>
+        <p:spPr>
+          <a:xfrm>
+            <a:off x="225278" y="4197096"/>
+            <a:ext cx="4953275" cy="2786217"/>
+          </a:xfrm>
+          <a:prstGeom prst="rect">
+            <a:avLst/>
+          </a:prstGeom>
+        </p:spPr>
+      </p:pic>
+      <p:pic>
+        <p:nvPicPr>
+          <p:cNvPr id="8" name="Imagen 7" descr="Interfaz de usuario gráfica, Texto, Aplicación, Correo electrónico&#10;&#10;Descripción generada automáticamente">
+            <a:extLst>
+              <a:ext uri="{FF2B5EF4-FFF2-40B4-BE49-F238E27FC236}">
+                <a16:creationId xmlns:a16="http://schemas.microsoft.com/office/drawing/2014/main" id="{569A05B7-ED09-3EE4-7C9A-32AF03ED3EB6}"/>
+              </a:ext>
+            </a:extLst>
+          </p:cNvPr>
+          <p:cNvPicPr>
+            <a:picLocks noChangeAspect="1"/>
+          </p:cNvPicPr>
+          <p:nvPr/>
+        </p:nvPicPr>
+        <p:blipFill>
+          <a:blip r:embed="rId4">
+            <a:extLst>
+              <a:ext uri="{28A0092B-C50C-407E-A947-70E740481C1C}">
+                <a14:useLocalDpi xmlns:a14="http://schemas.microsoft.com/office/drawing/2010/main" val="0"/>
+              </a:ext>
+            </a:extLst>
+          </a:blip>
+          <a:stretch>
+            <a:fillRect/>
+          </a:stretch>
+        </p:blipFill>
+        <p:spPr>
+          <a:xfrm>
+            <a:off x="112638" y="137429"/>
+            <a:ext cx="5983362" cy="1268862"/>
+          </a:xfrm>
+          <a:prstGeom prst="rect">
+            <a:avLst/>
+          </a:prstGeom>
+        </p:spPr>
+      </p:pic>
     </p:spTree>
     <p:extLst>
       <p:ext uri="{BB962C8B-B14F-4D97-AF65-F5344CB8AC3E}">
-        <p14:creationId xmlns:p14="http://schemas.microsoft.com/office/powerpoint/2010/main" val="3286019510"/>
+        <p14:creationId xmlns:p14="http://schemas.microsoft.com/office/powerpoint/2010/main" val="2131548891"/>
       </p:ext>
     </p:extLst>
   </p:cSld>
@@ -3522,10 +3731,10 @@
       </p:grpSpPr>
       <p:pic>
         <p:nvPicPr>
-          <p:cNvPr id="4" name="Picture 1" descr="Patrón geométrico rojo abstracto">
-            <a:extLst>
-              <a:ext uri="{FF2B5EF4-FFF2-40B4-BE49-F238E27FC236}">
-                <a16:creationId xmlns:a16="http://schemas.microsoft.com/office/drawing/2014/main" id="{A94949DA-FC62-8FD6-8C43-521853D3BB23}"/>
+          <p:cNvPr id="3" name="Imagen 2" descr="Patrón de fondo&#10;&#10;Descripción generada automáticamente con confianza media">
+            <a:extLst>
+              <a:ext uri="{FF2B5EF4-FFF2-40B4-BE49-F238E27FC236}">
+                <a16:creationId xmlns:a16="http://schemas.microsoft.com/office/drawing/2014/main" id="{3CA97E79-5585-778B-8BBB-5086CC68721F}"/>
               </a:ext>
             </a:extLst>
           </p:cNvPr>
@@ -3535,256 +3744,7 @@
           <p:nvPr/>
         </p:nvPicPr>
         <p:blipFill>
-          <a:blip r:embed="rId2"/>
-          <a:srcRect t="11485" b="4246"/>
-          <a:stretch/>
-        </p:blipFill>
-        <p:spPr>
-          <a:xfrm>
-            <a:off x="0" y="10"/>
-            <a:ext cx="12191980" cy="6857990"/>
-          </a:xfrm>
-          <a:prstGeom prst="rect">
-            <a:avLst/>
-          </a:prstGeom>
-        </p:spPr>
-      </p:pic>
-      <p:sp>
-        <p:nvSpPr>
-          <p:cNvPr id="5" name="CuadroTexto 4">
-            <a:extLst>
-              <a:ext uri="{FF2B5EF4-FFF2-40B4-BE49-F238E27FC236}">
-                <a16:creationId xmlns:a16="http://schemas.microsoft.com/office/drawing/2014/main" id="{B3748729-50C7-8599-6D3C-E12C17D6E64E}"/>
-              </a:ext>
-            </a:extLst>
-          </p:cNvPr>
-          <p:cNvSpPr txBox="1"/>
-          <p:nvPr/>
-        </p:nvSpPr>
-        <p:spPr>
-          <a:xfrm>
-            <a:off x="6681216" y="1271016"/>
-            <a:ext cx="6095980" cy="2800767"/>
-          </a:xfrm>
-          <a:prstGeom prst="rect">
-            <a:avLst/>
-          </a:prstGeom>
-          <a:noFill/>
-        </p:spPr>
-        <p:txBody>
-          <a:bodyPr wrap="square" rtlCol="0">
-            <a:spAutoFit/>
-          </a:bodyPr>
-          <a:lstStyle/>
-          <a:p>
-            <a:r>
-              <a:rPr lang="es-ES" sz="4400" dirty="0" err="1">
-                <a:solidFill>
-                  <a:srgbClr val="000000"/>
-                </a:solidFill>
-                <a:effectLst/>
-                <a:latin typeface="Adobe Devanagari" panose="02040503050201020203" pitchFamily="18" charset="0"/>
-                <a:ea typeface="ADLaM Display" panose="020F0502020204030204" pitchFamily="2" charset="0"/>
-                <a:cs typeface="Adobe Devanagari" panose="02040503050201020203" pitchFamily="18" charset="0"/>
-              </a:rPr>
-              <a:t>Further</a:t>
-            </a:r>
-            <a:r>
-              <a:rPr lang="es-ES" sz="4400" dirty="0">
-                <a:solidFill>
-                  <a:srgbClr val="000000"/>
-                </a:solidFill>
-                <a:effectLst/>
-                <a:latin typeface="Adobe Devanagari" panose="02040503050201020203" pitchFamily="18" charset="0"/>
-                <a:ea typeface="ADLaM Display" panose="020F0502020204030204" pitchFamily="2" charset="0"/>
-                <a:cs typeface="Adobe Devanagari" panose="02040503050201020203" pitchFamily="18" charset="0"/>
-              </a:rPr>
-              <a:t> </a:t>
-            </a:r>
-            <a:r>
-              <a:rPr lang="es-ES" sz="4400" dirty="0" err="1">
-                <a:solidFill>
-                  <a:srgbClr val="000000"/>
-                </a:solidFill>
-                <a:effectLst/>
-                <a:latin typeface="Adobe Devanagari" panose="02040503050201020203" pitchFamily="18" charset="0"/>
-                <a:ea typeface="ADLaM Display" panose="020F0502020204030204" pitchFamily="2" charset="0"/>
-                <a:cs typeface="Adobe Devanagari" panose="02040503050201020203" pitchFamily="18" charset="0"/>
-              </a:rPr>
-              <a:t>Advancements</a:t>
-            </a:r>
-            <a:r>
-              <a:rPr lang="es-ES" sz="4400" dirty="0">
-                <a:solidFill>
-                  <a:srgbClr val="000000"/>
-                </a:solidFill>
-                <a:effectLst/>
-                <a:latin typeface="Adobe Devanagari" panose="02040503050201020203" pitchFamily="18" charset="0"/>
-                <a:ea typeface="ADLaM Display" panose="020F0502020204030204" pitchFamily="2" charset="0"/>
-                <a:cs typeface="Adobe Devanagari" panose="02040503050201020203" pitchFamily="18" charset="0"/>
-              </a:rPr>
-              <a:t> </a:t>
-            </a:r>
-          </a:p>
-          <a:p>
-            <a:r>
-              <a:rPr lang="es-ES" sz="4400" dirty="0">
-                <a:solidFill>
-                  <a:srgbClr val="000000"/>
-                </a:solidFill>
-                <a:effectLst/>
-                <a:latin typeface="Adobe Devanagari" panose="02040503050201020203" pitchFamily="18" charset="0"/>
-                <a:ea typeface="ADLaM Display" panose="020F0502020204030204" pitchFamily="2" charset="0"/>
-                <a:cs typeface="Adobe Devanagari" panose="02040503050201020203" pitchFamily="18" charset="0"/>
-              </a:rPr>
-              <a:t>and </a:t>
-            </a:r>
-            <a:r>
-              <a:rPr lang="es-ES" sz="4400" dirty="0" err="1">
-                <a:solidFill>
-                  <a:srgbClr val="000000"/>
-                </a:solidFill>
-                <a:effectLst/>
-                <a:latin typeface="Adobe Devanagari" panose="02040503050201020203" pitchFamily="18" charset="0"/>
-                <a:ea typeface="ADLaM Display" panose="020F0502020204030204" pitchFamily="2" charset="0"/>
-                <a:cs typeface="Adobe Devanagari" panose="02040503050201020203" pitchFamily="18" charset="0"/>
-              </a:rPr>
-              <a:t>Developments</a:t>
-            </a:r>
-            <a:r>
-              <a:rPr lang="es-ES" sz="4400" dirty="0">
-                <a:solidFill>
-                  <a:srgbClr val="000000"/>
-                </a:solidFill>
-                <a:effectLst/>
-                <a:latin typeface="Adobe Devanagari" panose="02040503050201020203" pitchFamily="18" charset="0"/>
-                <a:ea typeface="ADLaM Display" panose="020F0502020204030204" pitchFamily="2" charset="0"/>
-                <a:cs typeface="Adobe Devanagari" panose="02040503050201020203" pitchFamily="18" charset="0"/>
-              </a:rPr>
-              <a:t> </a:t>
-            </a:r>
-          </a:p>
-          <a:p>
-            <a:r>
-              <a:rPr lang="en-US" sz="4400" dirty="0">
-                <a:solidFill>
-                  <a:srgbClr val="000000"/>
-                </a:solidFill>
-                <a:effectLst/>
-                <a:latin typeface="Adobe Devanagari" panose="02040503050201020203" pitchFamily="18" charset="0"/>
-                <a:ea typeface="ADLaM Display" panose="020F0502020204030204" pitchFamily="2" charset="0"/>
-                <a:cs typeface="Adobe Devanagari" panose="02040503050201020203" pitchFamily="18" charset="0"/>
-              </a:rPr>
-              <a:t>in Game Theory, </a:t>
-            </a:r>
-          </a:p>
-          <a:p>
-            <a:r>
-              <a:rPr lang="en-US" sz="4400" dirty="0">
-                <a:solidFill>
-                  <a:srgbClr val="000000"/>
-                </a:solidFill>
-                <a:effectLst/>
-                <a:latin typeface="Adobe Devanagari" panose="02040503050201020203" pitchFamily="18" charset="0"/>
-                <a:ea typeface="ADLaM Display" panose="020F0502020204030204" pitchFamily="2" charset="0"/>
-                <a:cs typeface="Adobe Devanagari" panose="02040503050201020203" pitchFamily="18" charset="0"/>
-              </a:rPr>
-              <a:t>Complexity and Control</a:t>
-            </a:r>
-            <a:endParaRPr lang="es-ES" sz="4400" dirty="0">
-              <a:latin typeface="Adobe Devanagari" panose="02040503050201020203" pitchFamily="18" charset="0"/>
-              <a:ea typeface="ADLaM Display" panose="020F0502020204030204" pitchFamily="2" charset="0"/>
-              <a:cs typeface="Adobe Devanagari" panose="02040503050201020203" pitchFamily="18" charset="0"/>
-            </a:endParaRPr>
-          </a:p>
-        </p:txBody>
-      </p:sp>
-      <p:sp>
-        <p:nvSpPr>
-          <p:cNvPr id="6" name="CuadroTexto 5">
-            <a:extLst>
-              <a:ext uri="{FF2B5EF4-FFF2-40B4-BE49-F238E27FC236}">
-                <a16:creationId xmlns:a16="http://schemas.microsoft.com/office/drawing/2014/main" id="{1115F3DB-6A7A-DADC-D795-8726BC1AC44E}"/>
-              </a:ext>
-            </a:extLst>
-          </p:cNvPr>
-          <p:cNvSpPr txBox="1"/>
-          <p:nvPr/>
-        </p:nvSpPr>
-        <p:spPr>
-          <a:xfrm>
-            <a:off x="6784848" y="4197096"/>
-            <a:ext cx="4727448" cy="923330"/>
-          </a:xfrm>
-          <a:prstGeom prst="rect">
-            <a:avLst/>
-          </a:prstGeom>
-          <a:noFill/>
-        </p:spPr>
-        <p:txBody>
-          <a:bodyPr wrap="square" rtlCol="0">
-            <a:spAutoFit/>
-          </a:bodyPr>
-          <a:lstStyle/>
-          <a:p>
-            <a:r>
-              <a:rPr lang="es-ES" u="sng" dirty="0">
-                <a:latin typeface="Adobe Devanagari" panose="02040503050201020203" pitchFamily="18" charset="0"/>
-                <a:cs typeface="Adobe Devanagari" panose="02040503050201020203" pitchFamily="18" charset="0"/>
-              </a:rPr>
-              <a:t>Tesis doctoral realizada por</a:t>
-            </a:r>
-            <a:r>
-              <a:rPr lang="es-ES" dirty="0">
-                <a:latin typeface="Adobe Devanagari" panose="02040503050201020203" pitchFamily="18" charset="0"/>
-                <a:cs typeface="Adobe Devanagari" panose="02040503050201020203" pitchFamily="18" charset="0"/>
-              </a:rPr>
-              <a:t> Gaspar Alfaro García.</a:t>
-            </a:r>
-          </a:p>
-          <a:p>
-            <a:r>
-              <a:rPr lang="es-ES" u="sng" dirty="0">
-                <a:latin typeface="Adobe Devanagari" panose="02040503050201020203" pitchFamily="18" charset="0"/>
-                <a:cs typeface="Adobe Devanagari" panose="02040503050201020203" pitchFamily="18" charset="0"/>
-              </a:rPr>
-              <a:t>Co-dirigida por</a:t>
-            </a:r>
-            <a:r>
-              <a:rPr lang="es-ES" dirty="0">
-                <a:latin typeface="Adobe Devanagari" panose="02040503050201020203" pitchFamily="18" charset="0"/>
-                <a:cs typeface="Adobe Devanagari" panose="02040503050201020203" pitchFamily="18" charset="0"/>
-              </a:rPr>
-              <a:t> Miguel Ángel Fernández Sanjuán y</a:t>
-            </a:r>
-          </a:p>
-          <a:p>
-            <a:r>
-              <a:rPr lang="es-ES" dirty="0">
-                <a:latin typeface="Adobe Devanagari" panose="02040503050201020203" pitchFamily="18" charset="0"/>
-                <a:cs typeface="Adobe Devanagari" panose="02040503050201020203" pitchFamily="18" charset="0"/>
-              </a:rPr>
-              <a:t>	          Rubén Capeáns Rivas.</a:t>
-            </a:r>
-          </a:p>
-        </p:txBody>
-      </p:sp>
-      <p:pic>
-        <p:nvPicPr>
-          <p:cNvPr id="7" name="Imagen 6" descr="Dibujo en blanco y negro&#10;&#10;Descripción generada automáticamente con confianza media">
-            <a:extLst>
-              <a:ext uri="{FF2B5EF4-FFF2-40B4-BE49-F238E27FC236}">
-                <a16:creationId xmlns:a16="http://schemas.microsoft.com/office/drawing/2014/main" id="{6EBF8777-F184-ED9A-071E-EB2A565EC0FD}"/>
-              </a:ext>
-            </a:extLst>
-          </p:cNvPr>
-          <p:cNvPicPr>
-            <a:picLocks noChangeAspect="1"/>
-          </p:cNvPicPr>
-          <p:nvPr/>
-        </p:nvPicPr>
-        <p:blipFill>
-          <a:blip r:embed="rId3">
+          <a:blip r:embed="rId2">
             <a:extLst>
               <a:ext uri="{28A0092B-C50C-407E-A947-70E740481C1C}">
                 <a14:useLocalDpi xmlns:a14="http://schemas.microsoft.com/office/drawing/2010/main" val="0"/>
@@ -3797,104 +3757,8 @@
         </p:blipFill>
         <p:spPr>
           <a:xfrm>
-            <a:off x="225278" y="4197096"/>
-            <a:ext cx="4953275" cy="2786217"/>
-          </a:xfrm>
-          <a:prstGeom prst="rect">
-            <a:avLst/>
-          </a:prstGeom>
-        </p:spPr>
-      </p:pic>
-      <p:pic>
-        <p:nvPicPr>
-          <p:cNvPr id="8" name="Imagen 7" descr="Interfaz de usuario gráfica, Texto, Aplicación, Correo electrónico&#10;&#10;Descripción generada automáticamente">
-            <a:extLst>
-              <a:ext uri="{FF2B5EF4-FFF2-40B4-BE49-F238E27FC236}">
-                <a16:creationId xmlns:a16="http://schemas.microsoft.com/office/drawing/2014/main" id="{569A05B7-ED09-3EE4-7C9A-32AF03ED3EB6}"/>
-              </a:ext>
-            </a:extLst>
-          </p:cNvPr>
-          <p:cNvPicPr>
-            <a:picLocks noChangeAspect="1"/>
-          </p:cNvPicPr>
-          <p:nvPr/>
-        </p:nvPicPr>
-        <p:blipFill>
-          <a:blip r:embed="rId4">
-            <a:extLst>
-              <a:ext uri="{28A0092B-C50C-407E-A947-70E740481C1C}">
-                <a14:useLocalDpi xmlns:a14="http://schemas.microsoft.com/office/drawing/2010/main" val="0"/>
-              </a:ext>
-            </a:extLst>
-          </a:blip>
-          <a:stretch>
-            <a:fillRect/>
-          </a:stretch>
-        </p:blipFill>
-        <p:spPr>
-          <a:xfrm>
-            <a:off x="112638" y="137429"/>
-            <a:ext cx="5983362" cy="1268862"/>
-          </a:xfrm>
-          <a:prstGeom prst="rect">
-            <a:avLst/>
-          </a:prstGeom>
-        </p:spPr>
-      </p:pic>
-    </p:spTree>
-    <p:extLst>
-      <p:ext uri="{BB962C8B-B14F-4D97-AF65-F5344CB8AC3E}">
-        <p14:creationId xmlns:p14="http://schemas.microsoft.com/office/powerpoint/2010/main" val="2131548891"/>
-      </p:ext>
-    </p:extLst>
-  </p:cSld>
-  <p:clrMapOvr>
-    <a:masterClrMapping/>
-  </p:clrMapOvr>
-</p:sld>
-</file>
-
-<file path=ppt/slides/slide3.xml><?xml version="1.0" encoding="utf-8"?>
-<p:sld xmlns:a="http://schemas.openxmlformats.org/drawingml/2006/main" xmlns:r="http://schemas.openxmlformats.org/officeDocument/2006/relationships" xmlns:p="http://schemas.openxmlformats.org/presentationml/2006/main">
-  <p:cSld>
-    <p:spTree>
-      <p:nvGrpSpPr>
-        <p:cNvPr id="1" name=""/>
-        <p:cNvGrpSpPr/>
-        <p:nvPr/>
-      </p:nvGrpSpPr>
-      <p:grpSpPr>
-        <a:xfrm>
-          <a:off x="0" y="0"/>
-          <a:ext cx="0" cy="0"/>
-          <a:chOff x="0" y="0"/>
-          <a:chExt cx="0" cy="0"/>
-        </a:xfrm>
-      </p:grpSpPr>
-      <p:pic>
-        <p:nvPicPr>
-          <p:cNvPr id="5" name="Imagen 4">
-            <a:extLst>
-              <a:ext uri="{FF2B5EF4-FFF2-40B4-BE49-F238E27FC236}">
-                <a16:creationId xmlns:a16="http://schemas.microsoft.com/office/drawing/2014/main" id="{EF938432-8A2A-548B-3098-585C44FB47DE}"/>
-              </a:ext>
-            </a:extLst>
-          </p:cNvPr>
-          <p:cNvPicPr>
-            <a:picLocks noChangeAspect="1"/>
-          </p:cNvPicPr>
-          <p:nvPr/>
-        </p:nvPicPr>
-        <p:blipFill>
-          <a:blip r:embed="rId2"/>
-          <a:stretch>
-            <a:fillRect/>
-          </a:stretch>
-        </p:blipFill>
-        <p:spPr>
-          <a:xfrm>
-            <a:off x="-4005263" y="0"/>
-            <a:ext cx="12163426" cy="6858000"/>
+            <a:off x="-1" y="0"/>
+            <a:ext cx="12192003" cy="6858000"/>
           </a:xfrm>
           <a:prstGeom prst="rect">
             <a:avLst/>
